--- a/FtcLessons/1-IntroTRCFramework.pptx
+++ b/FtcLessons/1-IntroTRCFramework.pptx
@@ -5,7 +5,7 @@
     <p:sldMasterId id="2147483648" r:id="rId1"/>
   </p:sldMasterIdLst>
   <p:notesMasterIdLst>
-    <p:notesMasterId r:id="rId15"/>
+    <p:notesMasterId r:id="rId16"/>
   </p:notesMasterIdLst>
   <p:sldIdLst>
     <p:sldId id="256" r:id="rId2"/>
@@ -15,12 +15,13 @@
     <p:sldId id="271" r:id="rId6"/>
     <p:sldId id="265" r:id="rId7"/>
     <p:sldId id="260" r:id="rId8"/>
-    <p:sldId id="259" r:id="rId9"/>
-    <p:sldId id="264" r:id="rId10"/>
-    <p:sldId id="261" r:id="rId11"/>
-    <p:sldId id="262" r:id="rId12"/>
-    <p:sldId id="272" r:id="rId13"/>
-    <p:sldId id="263" r:id="rId14"/>
+    <p:sldId id="261" r:id="rId9"/>
+    <p:sldId id="259" r:id="rId10"/>
+    <p:sldId id="273" r:id="rId11"/>
+    <p:sldId id="264" r:id="rId12"/>
+    <p:sldId id="262" r:id="rId13"/>
+    <p:sldId id="272" r:id="rId14"/>
+    <p:sldId id="275" r:id="rId15"/>
   </p:sldIdLst>
   <p:sldSz cx="12192000" cy="6858000"/>
   <p:notesSz cx="6858000" cy="9144000"/>
@@ -209,7 +210,7 @@
           <a:p>
             <a:fld id="{9DF9AC4D-2BB8-495E-BEDA-2E87103D7605}" type="datetimeFigureOut">
               <a:rPr lang="en-US" smtClean="0"/>
-              <a:t>9/16/2023</a:t>
+              <a:t>9/17/2023</a:t>
             </a:fld>
             <a:endParaRPr lang="en-US"/>
           </a:p>
@@ -796,7 +797,7 @@
           <a:p>
             <a:fld id="{9DB3D09F-C647-4A12-B3E3-C6B4C7448871}" type="slidenum">
               <a:rPr lang="en-US" smtClean="0"/>
-              <a:t>9</a:t>
+              <a:t>11</a:t>
             </a:fld>
             <a:endParaRPr lang="en-US"/>
           </a:p>
@@ -1151,7 +1152,7 @@
             <a:fld id="{5923F103-BC34-4FE4-A40E-EDDEECFDA5D0}" type="datetimeFigureOut">
               <a:rPr lang="en-US" dirty="0"/>
               <a:pPr/>
-              <a:t>9/16/2023</a:t>
+              <a:t>9/17/2023</a:t>
             </a:fld>
             <a:endParaRPr lang="en-US" dirty="0"/>
           </a:p>
@@ -2235,7 +2236,7 @@
           <a:p>
             <a:fld id="{923A1CC3-2375-41D4-9E03-427CAF2A4C1A}" type="datetimeFigureOut">
               <a:rPr lang="en-US" dirty="0"/>
-              <a:t>9/16/2023</a:t>
+              <a:t>9/17/2023</a:t>
             </a:fld>
             <a:endParaRPr lang="en-US" dirty="0"/>
           </a:p>
@@ -3211,7 +3212,7 @@
           <a:p>
             <a:fld id="{AFF16868-8199-4C2C-A5B1-63AEE139F88E}" type="datetimeFigureOut">
               <a:rPr lang="en-US" dirty="0"/>
-              <a:t>9/16/2023</a:t>
+              <a:t>9/17/2023</a:t>
             </a:fld>
             <a:endParaRPr lang="en-US" dirty="0"/>
           </a:p>
@@ -4341,7 +4342,7 @@
           <a:p>
             <a:fld id="{AAD9FF7F-6988-44CC-821B-644E70CD2F73}" type="datetimeFigureOut">
               <a:rPr lang="en-US" dirty="0"/>
-              <a:t>9/16/2023</a:t>
+              <a:t>9/17/2023</a:t>
             </a:fld>
             <a:endParaRPr lang="en-US" dirty="0"/>
           </a:p>
@@ -5370,7 +5371,7 @@
           <a:p>
             <a:fld id="{5C12C299-16B2-4475-990D-751901EACC14}" type="datetimeFigureOut">
               <a:rPr lang="en-US" dirty="0"/>
-              <a:t>9/16/2023</a:t>
+              <a:t>9/17/2023</a:t>
             </a:fld>
             <a:endParaRPr lang="en-US" dirty="0"/>
           </a:p>
@@ -6026,7 +6027,7 @@
           <a:p>
             <a:fld id="{9FE86839-B9D8-4651-8783-F325ECE74E65}" type="datetimeFigureOut">
               <a:rPr lang="en-US" dirty="0"/>
-              <a:t>9/16/2023</a:t>
+              <a:t>9/17/2023</a:t>
             </a:fld>
             <a:endParaRPr lang="en-US" dirty="0"/>
           </a:p>
@@ -6883,7 +6884,7 @@
           <a:p>
             <a:fld id="{FD484F64-32F6-45C5-931F-ADC1662401D0}" type="datetimeFigureOut">
               <a:rPr lang="en-US" dirty="0"/>
-              <a:t>9/16/2023</a:t>
+              <a:t>9/17/2023</a:t>
             </a:fld>
             <a:endParaRPr lang="en-US" dirty="0"/>
           </a:p>
@@ -7069,7 +7070,7 @@
           <a:p>
             <a:fld id="{53086D93-FCAC-47E0-A2EE-787E62CA814C}" type="datetimeFigureOut">
               <a:rPr lang="en-US" dirty="0"/>
-              <a:t>9/16/2023</a:t>
+              <a:t>9/17/2023</a:t>
             </a:fld>
             <a:endParaRPr lang="en-US" dirty="0"/>
           </a:p>
@@ -8037,7 +8038,7 @@
           <a:p>
             <a:fld id="{CDA879A6-0FD0-4734-A311-86BFCA472E6E}" type="datetimeFigureOut">
               <a:rPr lang="en-US" dirty="0"/>
-              <a:t>9/16/2023</a:t>
+              <a:t>9/17/2023</a:t>
             </a:fld>
             <a:endParaRPr lang="en-US" dirty="0"/>
           </a:p>
@@ -8244,7 +8245,7 @@
           <a:p>
             <a:fld id="{19C9CA7B-DFD4-44B5-8C60-D14B8CD1FB59}" type="datetimeFigureOut">
               <a:rPr lang="en-US" dirty="0"/>
-              <a:t>9/16/2023</a:t>
+              <a:t>9/17/2023</a:t>
             </a:fld>
             <a:endParaRPr lang="en-US" dirty="0"/>
           </a:p>
@@ -9274,7 +9275,7 @@
           <a:p>
             <a:fld id="{F34E6425-0181-43F2-84FC-787E803FD2F8}" type="datetimeFigureOut">
               <a:rPr lang="en-US" dirty="0"/>
-              <a:t>9/16/2023</a:t>
+              <a:t>9/17/2023</a:t>
             </a:fld>
             <a:endParaRPr lang="en-US" dirty="0"/>
           </a:p>
@@ -9542,7 +9543,7 @@
           <a:p>
             <a:fld id="{3BDB8791-F1B0-41E7-B7FD-A781E65C4266}" type="datetimeFigureOut">
               <a:rPr lang="en-US" dirty="0"/>
-              <a:t>9/16/2023</a:t>
+              <a:t>9/17/2023</a:t>
             </a:fld>
             <a:endParaRPr lang="en-US" dirty="0"/>
           </a:p>
@@ -9948,7 +9949,7 @@
           <a:p>
             <a:fld id="{5FDD63B2-E120-4ED8-B27B-C685F510A5FE}" type="datetimeFigureOut">
               <a:rPr lang="en-US" dirty="0"/>
-              <a:t>9/16/2023</a:t>
+              <a:t>9/17/2023</a:t>
             </a:fld>
             <a:endParaRPr lang="en-US" dirty="0"/>
           </a:p>
@@ -10071,7 +10072,7 @@
           <a:p>
             <a:fld id="{7AA18ACC-A947-437B-A130-35BD54FDF1E9}" type="datetimeFigureOut">
               <a:rPr lang="en-US" dirty="0"/>
-              <a:t>9/16/2023</a:t>
+              <a:t>9/17/2023</a:t>
             </a:fld>
             <a:endParaRPr lang="en-US" dirty="0"/>
           </a:p>
@@ -10162,7 +10163,7 @@
           <a:p>
             <a:fld id="{7C8D7E02-BCB8-4D50-A234-369438C08659}" type="datetimeFigureOut">
               <a:rPr lang="en-US" dirty="0"/>
-              <a:t>9/16/2023</a:t>
+              <a:t>9/17/2023</a:t>
             </a:fld>
             <a:endParaRPr lang="en-US" dirty="0"/>
           </a:p>
@@ -11239,7 +11240,7 @@
           <a:p>
             <a:fld id="{76E86A4C-8E40-4F87-A4F0-01A0687C5742}" type="datetimeFigureOut">
               <a:rPr lang="en-US" dirty="0"/>
-              <a:t>9/16/2023</a:t>
+              <a:t>9/17/2023</a:t>
             </a:fld>
             <a:endParaRPr lang="en-US" dirty="0"/>
           </a:p>
@@ -12343,7 +12344,7 @@
           <a:p>
             <a:fld id="{35E72C73-2D91-4E12-BA25-F0AA0C03599B}" type="datetimeFigureOut">
               <a:rPr lang="en-US" dirty="0"/>
-              <a:t>9/16/2023</a:t>
+              <a:t>9/17/2023</a:t>
             </a:fld>
             <a:endParaRPr lang="en-US" dirty="0"/>
           </a:p>
@@ -13336,7 +13337,7 @@
           <a:p>
             <a:fld id="{2BE451C3-0FF4-47C4-B829-773ADF60F88C}" type="datetimeFigureOut">
               <a:rPr lang="en-US" dirty="0"/>
-              <a:t>9/16/2023</a:t>
+              <a:t>9/17/2023</a:t>
             </a:fld>
             <a:endParaRPr lang="en-US" dirty="0"/>
           </a:p>
@@ -14001,7 +14002,226 @@
           <p:cNvPr id="2" name="Title 1">
             <a:extLst>
               <a:ext uri="{FF2B5EF4-FFF2-40B4-BE49-F238E27FC236}">
-                <a16:creationId xmlns:a16="http://schemas.microsoft.com/office/drawing/2014/main" id="{87804EB8-FF93-4FED-87D9-D1BDD592FB51}"/>
+                <a16:creationId xmlns:a16="http://schemas.microsoft.com/office/drawing/2014/main" id="{48F53726-82EA-44D8-9F6B-80803BFDE6D6}"/>
+              </a:ext>
+            </a:extLst>
+          </p:cNvPr>
+          <p:cNvSpPr>
+            <a:spLocks noGrp="1"/>
+          </p:cNvSpPr>
+          <p:nvPr>
+            <p:ph type="title"/>
+          </p:nvPr>
+        </p:nvSpPr>
+        <p:spPr>
+          <a:xfrm>
+            <a:off x="931823" y="986793"/>
+            <a:ext cx="10185356" cy="706964"/>
+          </a:xfrm>
+        </p:spPr>
+        <p:txBody>
+          <a:bodyPr/>
+          <a:lstStyle/>
+          <a:p>
+            <a:r>
+              <a:rPr lang="en-US" dirty="0"/>
+              <a:t>FTC </a:t>
+            </a:r>
+            <a:r>
+              <a:rPr lang="en-US" dirty="0" err="1"/>
+              <a:t>OpModes</a:t>
+            </a:r>
+            <a:r>
+              <a:rPr lang="en-US" dirty="0"/>
+              <a:t>: </a:t>
+            </a:r>
+            <a:r>
+              <a:rPr lang="en-US" dirty="0" err="1"/>
+              <a:t>FtcAuto</a:t>
+            </a:r>
+            <a:r>
+              <a:rPr lang="en-US" dirty="0"/>
+              <a:t>, </a:t>
+            </a:r>
+            <a:r>
+              <a:rPr lang="en-US" dirty="0" err="1"/>
+              <a:t>FtcTeleOp</a:t>
+            </a:r>
+            <a:r>
+              <a:rPr lang="en-US" dirty="0"/>
+              <a:t>, </a:t>
+            </a:r>
+            <a:r>
+              <a:rPr lang="en-US" dirty="0" err="1"/>
+              <a:t>FtcTest</a:t>
+            </a:r>
+            <a:endParaRPr lang="en-US" dirty="0"/>
+          </a:p>
+        </p:txBody>
+      </p:sp>
+      <p:sp>
+        <p:nvSpPr>
+          <p:cNvPr id="3" name="Content Placeholder 2">
+            <a:extLst>
+              <a:ext uri="{FF2B5EF4-FFF2-40B4-BE49-F238E27FC236}">
+                <a16:creationId xmlns:a16="http://schemas.microsoft.com/office/drawing/2014/main" id="{28E5E675-6C5D-4E7B-B733-85FC86FD6B73}"/>
+              </a:ext>
+            </a:extLst>
+          </p:cNvPr>
+          <p:cNvSpPr>
+            <a:spLocks noGrp="1"/>
+          </p:cNvSpPr>
+          <p:nvPr>
+            <p:ph idx="1"/>
+          </p:nvPr>
+        </p:nvSpPr>
+        <p:spPr>
+          <a:xfrm>
+            <a:off x="461395" y="2257562"/>
+            <a:ext cx="11400638" cy="4519498"/>
+          </a:xfrm>
+        </p:spPr>
+        <p:txBody>
+          <a:bodyPr>
+            <a:normAutofit/>
+          </a:bodyPr>
+          <a:lstStyle/>
+          <a:p>
+            <a:pPr lvl="1"/>
+            <a:r>
+              <a:rPr lang="en-US" dirty="0"/>
+              <a:t>All </a:t>
+            </a:r>
+            <a:r>
+              <a:rPr lang="en-US" dirty="0" err="1"/>
+              <a:t>OpModes</a:t>
+            </a:r>
+            <a:r>
+              <a:rPr lang="en-US" dirty="0"/>
+              <a:t> extends </a:t>
+            </a:r>
+            <a:r>
+              <a:rPr lang="en-US" dirty="0" err="1"/>
+              <a:t>FtcOpMode</a:t>
+            </a:r>
+            <a:r>
+              <a:rPr lang="en-US" dirty="0"/>
+              <a:t> which means they must implement the following methods:</a:t>
+            </a:r>
+          </a:p>
+          <a:p>
+            <a:pPr lvl="2"/>
+            <a:r>
+              <a:rPr lang="en-US" dirty="0" err="1"/>
+              <a:t>robotInit</a:t>
+            </a:r>
+            <a:r>
+              <a:rPr lang="en-US" dirty="0"/>
+              <a:t>: contains code to create and configure all robot hardware and subsystems. This is called once when the “Init” button on the Driver Station is pressed.</a:t>
+            </a:r>
+          </a:p>
+          <a:p>
+            <a:pPr lvl="2"/>
+            <a:r>
+              <a:rPr lang="en-US" dirty="0" err="1"/>
+              <a:t>initPeriodic</a:t>
+            </a:r>
+            <a:r>
+              <a:rPr lang="en-US" dirty="0"/>
+              <a:t>: contains code that will be called repeatedly after </a:t>
+            </a:r>
+            <a:r>
+              <a:rPr lang="en-US" dirty="0" err="1"/>
+              <a:t>robotInit</a:t>
+            </a:r>
+            <a:r>
+              <a:rPr lang="en-US" dirty="0"/>
+              <a:t> is called but before competition starts. This method is optional. If provided, it typically monitors sensor states (e.g. Vision to detect objects before Autonomous starts).</a:t>
+            </a:r>
+          </a:p>
+          <a:p>
+            <a:pPr lvl="2"/>
+            <a:r>
+              <a:rPr lang="en-US" dirty="0" err="1"/>
+              <a:t>startMode</a:t>
+            </a:r>
+            <a:r>
+              <a:rPr lang="en-US" dirty="0"/>
+              <a:t>: contains code to initialize all subsystems to start a competition </a:t>
+            </a:r>
+            <a:r>
+              <a:rPr lang="en-US" dirty="0" err="1"/>
+              <a:t>OpMode</a:t>
+            </a:r>
+            <a:r>
+              <a:rPr lang="en-US" dirty="0"/>
+              <a:t>. This is called once when the “Play” button on the Driver Station is pressed.</a:t>
+            </a:r>
+          </a:p>
+          <a:p>
+            <a:pPr lvl="2"/>
+            <a:r>
+              <a:rPr lang="en-US" dirty="0" err="1"/>
+              <a:t>stopMode</a:t>
+            </a:r>
+            <a:r>
+              <a:rPr lang="en-US" dirty="0"/>
+              <a:t>: contains code to stop/cleanup all subsystems to end a competition </a:t>
+            </a:r>
+            <a:r>
+              <a:rPr lang="en-US" dirty="0" err="1"/>
+              <a:t>OpMode</a:t>
+            </a:r>
+            <a:r>
+              <a:rPr lang="en-US" dirty="0"/>
+              <a:t>. This is called once when the “Stop” button on the Driver Station is pressed.</a:t>
+            </a:r>
+          </a:p>
+          <a:p>
+            <a:pPr lvl="2"/>
+            <a:r>
+              <a:rPr lang="en-US" dirty="0"/>
+              <a:t>periodic: contains code that will be called repeatedly after competition starts to perform competition tasks.</a:t>
+            </a:r>
+          </a:p>
+        </p:txBody>
+      </p:sp>
+    </p:spTree>
+    <p:extLst>
+      <p:ext uri="{BB962C8B-B14F-4D97-AF65-F5344CB8AC3E}">
+        <p14:creationId xmlns:p14="http://schemas.microsoft.com/office/powerpoint/2010/main" val="1666515533"/>
+      </p:ext>
+    </p:extLst>
+  </p:cSld>
+  <p:clrMapOvr>
+    <a:masterClrMapping/>
+  </p:clrMapOvr>
+</p:sld>
+</file>
+
+<file path=ppt/slides/slide11.xml><?xml version="1.0" encoding="utf-8"?>
+<p:sld xmlns:a="http://schemas.openxmlformats.org/drawingml/2006/main" xmlns:r="http://schemas.openxmlformats.org/officeDocument/2006/relationships" xmlns:p="http://schemas.openxmlformats.org/presentationml/2006/main">
+  <p:cSld>
+    <p:spTree>
+      <p:nvGrpSpPr>
+        <p:cNvPr id="1" name=""/>
+        <p:cNvGrpSpPr/>
+        <p:nvPr/>
+      </p:nvGrpSpPr>
+      <p:grpSpPr>
+        <a:xfrm>
+          <a:off x="0" y="0"/>
+          <a:ext cx="0" cy="0"/>
+          <a:chOff x="0" y="0"/>
+          <a:chExt cx="0" cy="0"/>
+        </a:xfrm>
+      </p:grpSpPr>
+      <p:sp>
+        <p:nvSpPr>
+          <p:cNvPr id="2" name="Title 1">
+            <a:extLst>
+              <a:ext uri="{FF2B5EF4-FFF2-40B4-BE49-F238E27FC236}">
+                <a16:creationId xmlns:a16="http://schemas.microsoft.com/office/drawing/2014/main" id="{ABFABE49-F5F9-4FE1-9250-69FC58779427}"/>
               </a:ext>
             </a:extLst>
           </p:cNvPr>
@@ -14018,8 +14238,12 @@
           <a:lstStyle/>
           <a:p>
             <a:r>
-              <a:rPr lang="en-US" dirty="0"/>
-              <a:t>Robot Code Organization</a:t>
+              <a:rPr lang="en-US" dirty="0" err="1"/>
+              <a:t>OpMode</a:t>
+            </a:r>
+            <a:r>
+              <a:rPr lang="en-US" dirty="0"/>
+              <a:t> Execution Flowchart</a:t>
             </a:r>
           </a:p>
         </p:txBody>
@@ -14029,7 +14253,7 @@
           <p:cNvPr id="3" name="Content Placeholder 2">
             <a:extLst>
               <a:ext uri="{FF2B5EF4-FFF2-40B4-BE49-F238E27FC236}">
-                <a16:creationId xmlns:a16="http://schemas.microsoft.com/office/drawing/2014/main" id="{32A4EDDC-9452-4052-A720-A2507DE0B196}"/>
+                <a16:creationId xmlns:a16="http://schemas.microsoft.com/office/drawing/2014/main" id="{382EC9F4-D8A4-4CAE-AD98-F54BB0C11E8C}"/>
               </a:ext>
             </a:extLst>
           </p:cNvPr>
@@ -14042,128 +14266,97 @@
         </p:nvSpPr>
         <p:spPr>
           <a:xfrm>
-            <a:off x="1154954" y="2603500"/>
-            <a:ext cx="10262463" cy="3416300"/>
+            <a:off x="476888" y="2572570"/>
+            <a:ext cx="7739587" cy="3093210"/>
           </a:xfrm>
         </p:spPr>
         <p:txBody>
-          <a:bodyPr/>
+          <a:bodyPr>
+            <a:normAutofit/>
+          </a:bodyPr>
           <a:lstStyle/>
           <a:p>
             <a:r>
-              <a:rPr lang="en-US" dirty="0"/>
-              <a:t>In the team492 package, the provided code template files are:</a:t>
-            </a:r>
-          </a:p>
-          <a:p>
-            <a:pPr lvl="1"/>
-            <a:r>
-              <a:rPr lang="en-US" dirty="0"/>
-              <a:t>Main.java – Entry point to the robot code and is provided by FIRST (do not modify)</a:t>
-            </a:r>
-          </a:p>
-          <a:p>
-            <a:pPr lvl="1"/>
-            <a:r>
-              <a:rPr lang="en-US" dirty="0"/>
-              <a:t>Robot.java – Extending </a:t>
-            </a:r>
-            <a:r>
               <a:rPr lang="en-US" dirty="0" err="1"/>
-              <a:t>FrcRobotBase</a:t>
-            </a:r>
-            <a:r>
-              <a:rPr lang="en-US" dirty="0"/>
-              <a:t> which extends </a:t>
-            </a:r>
+              <a:t>robotInit</a:t>
+            </a:r>
+            <a:r>
+              <a:rPr lang="en-US" dirty="0"/>
+              <a:t> method is called once when the “Init” button is pressed.</a:t>
+            </a:r>
+          </a:p>
+          <a:p>
             <a:r>
               <a:rPr lang="en-US" dirty="0" err="1"/>
-              <a:t>RobotBase</a:t>
-            </a:r>
-            <a:r>
-              <a:rPr lang="en-US" dirty="0"/>
-              <a:t> provided by </a:t>
-            </a:r>
+              <a:t>initPeriodic</a:t>
+            </a:r>
+            <a:r>
+              <a:rPr lang="en-US" dirty="0"/>
+              <a:t> method is called repeatedly until “Start” button is pressed.</a:t>
+            </a:r>
+          </a:p>
+          <a:p>
             <a:r>
               <a:rPr lang="en-US" dirty="0" err="1"/>
-              <a:t>WPILib</a:t>
-            </a:r>
-            <a:endParaRPr lang="en-US" dirty="0"/>
-          </a:p>
-          <a:p>
-            <a:pPr lvl="1"/>
-            <a:r>
-              <a:rPr lang="en-US" dirty="0"/>
-              <a:t>FrcDisabled.java – Implementing </a:t>
-            </a:r>
+              <a:t>startMode</a:t>
+            </a:r>
+            <a:r>
+              <a:rPr lang="en-US" dirty="0"/>
+              <a:t> method is called once when “Start” button is pressed.</a:t>
+            </a:r>
+          </a:p>
+          <a:p>
+            <a:r>
+              <a:rPr lang="en-US" dirty="0"/>
+              <a:t>periodic method is called repeatedly until “Stop” button is pressed.</a:t>
+            </a:r>
+          </a:p>
+          <a:p>
             <a:r>
               <a:rPr lang="en-US" dirty="0" err="1"/>
-              <a:t>TrcRobot.RobotMode</a:t>
-            </a:r>
-            <a:r>
-              <a:rPr lang="en-US" dirty="0"/>
-              <a:t> which contains code run in Disabled mode</a:t>
-            </a:r>
-          </a:p>
-          <a:p>
-            <a:pPr lvl="1"/>
-            <a:r>
-              <a:rPr lang="en-US" dirty="0"/>
-              <a:t>FrcAuto.java – Implementing </a:t>
-            </a:r>
-            <a:r>
-              <a:rPr lang="en-US" dirty="0" err="1"/>
-              <a:t>TrcRobot.RobotMode</a:t>
-            </a:r>
-            <a:r>
-              <a:rPr lang="en-US" dirty="0"/>
-              <a:t> which contains code run in Autonomous mode</a:t>
-            </a:r>
-          </a:p>
-          <a:p>
-            <a:pPr lvl="1"/>
-            <a:r>
-              <a:rPr lang="en-US" dirty="0"/>
-              <a:t>FrcTeleOp.java – Implementing </a:t>
-            </a:r>
-            <a:r>
-              <a:rPr lang="en-US" dirty="0" err="1"/>
-              <a:t>TrcRobot.RobotMode</a:t>
-            </a:r>
-            <a:r>
-              <a:rPr lang="en-US" dirty="0"/>
-              <a:t> which contains code run in </a:t>
-            </a:r>
-            <a:r>
-              <a:rPr lang="en-US" dirty="0" err="1"/>
-              <a:t>TeleOp</a:t>
-            </a:r>
-            <a:r>
-              <a:rPr lang="en-US" dirty="0"/>
-              <a:t> mode</a:t>
-            </a:r>
-          </a:p>
-          <a:p>
-            <a:pPr lvl="1"/>
-            <a:r>
-              <a:rPr lang="en-US" dirty="0"/>
-              <a:t>FrcTest.java – Implementing </a:t>
-            </a:r>
-            <a:r>
-              <a:rPr lang="en-US" dirty="0" err="1"/>
-              <a:t>TrcRobot.RobotMode</a:t>
-            </a:r>
-            <a:r>
-              <a:rPr lang="en-US" dirty="0"/>
-              <a:t> which contains code run in Test mode</a:t>
+              <a:t>stopMode</a:t>
+            </a:r>
+            <a:r>
+              <a:rPr lang="en-US" dirty="0"/>
+              <a:t> method is called once when “Stop” button is pressed.</a:t>
             </a:r>
           </a:p>
         </p:txBody>
       </p:sp>
+      <p:pic>
+        <p:nvPicPr>
+          <p:cNvPr id="12" name="Picture 11">
+            <a:extLst>
+              <a:ext uri="{FF2B5EF4-FFF2-40B4-BE49-F238E27FC236}">
+                <a16:creationId xmlns:a16="http://schemas.microsoft.com/office/drawing/2014/main" id="{236C2521-EB15-61A5-5CF3-D3A85F5A9ED4}"/>
+              </a:ext>
+            </a:extLst>
+          </p:cNvPr>
+          <p:cNvPicPr>
+            <a:picLocks noChangeAspect="1"/>
+          </p:cNvPicPr>
+          <p:nvPr/>
+        </p:nvPicPr>
+        <p:blipFill>
+          <a:blip r:embed="rId3"/>
+          <a:stretch>
+            <a:fillRect/>
+          </a:stretch>
+        </p:blipFill>
+        <p:spPr>
+          <a:xfrm>
+            <a:off x="8345254" y="1805317"/>
+            <a:ext cx="3700463" cy="5014913"/>
+          </a:xfrm>
+          <a:prstGeom prst="rect">
+            <a:avLst/>
+          </a:prstGeom>
+        </p:spPr>
+      </p:pic>
     </p:spTree>
     <p:extLst>
       <p:ext uri="{BB962C8B-B14F-4D97-AF65-F5344CB8AC3E}">
-        <p14:creationId xmlns:p14="http://schemas.microsoft.com/office/powerpoint/2010/main" val="2619593829"/>
+        <p14:creationId xmlns:p14="http://schemas.microsoft.com/office/powerpoint/2010/main" val="3124002505"/>
       </p:ext>
     </p:extLst>
   </p:cSld>
@@ -14173,7 +14366,7 @@
 </p:sld>
 </file>
 
-<file path=ppt/slides/slide11.xml><?xml version="1.0" encoding="utf-8"?>
+<file path=ppt/slides/slide12.xml><?xml version="1.0" encoding="utf-8"?>
 <p:sld xmlns:a="http://schemas.openxmlformats.org/drawingml/2006/main" xmlns:r="http://schemas.openxmlformats.org/officeDocument/2006/relationships" xmlns:p="http://schemas.openxmlformats.org/presentationml/2006/main">
   <p:cSld>
     <p:spTree>
@@ -14236,8 +14429,8 @@
         </p:nvSpPr>
         <p:spPr>
           <a:xfrm>
-            <a:off x="1154954" y="2445692"/>
-            <a:ext cx="8825659" cy="4173864"/>
+            <a:off x="490014" y="2283812"/>
+            <a:ext cx="10942174" cy="4335744"/>
           </a:xfrm>
         </p:spPr>
         <p:txBody>
@@ -14254,32 +14447,14 @@
           <a:p>
             <a:r>
               <a:rPr lang="en-US" dirty="0"/>
-              <a:t>Robot is the top level container. It contains all subsystems and is the entry point to our robot code.</a:t>
-            </a:r>
-          </a:p>
-          <a:p>
-            <a:r>
-              <a:rPr lang="en-US" dirty="0"/>
-              <a:t>Robot extends </a:t>
-            </a:r>
-            <a:r>
-              <a:rPr lang="en-US" dirty="0" err="1"/>
-              <a:t>FrcRobotBase</a:t>
-            </a:r>
-            <a:r>
-              <a:rPr lang="en-US" dirty="0"/>
-              <a:t> which means it must implement the required abstract methods:</a:t>
+              <a:t>Robot provides the following methods:</a:t>
             </a:r>
           </a:p>
           <a:p>
             <a:pPr lvl="1"/>
             <a:r>
-              <a:rPr lang="en-US" dirty="0" err="1"/>
-              <a:t>robotInit</a:t>
-            </a:r>
-            <a:r>
-              <a:rPr lang="en-US" dirty="0"/>
-              <a:t> – is called once when the robot code is loaded and contains code to create and initialize robot components and subsystems.</a:t>
+              <a:rPr lang="en-US" dirty="0"/>
+              <a:t>Constructor – contains code to create and configure all hardware and subsystems.</a:t>
             </a:r>
           </a:p>
           <a:p>
@@ -14290,7 +14465,15 @@
             </a:r>
             <a:r>
               <a:rPr lang="en-US" dirty="0"/>
-              <a:t> – is called during mode transition to a new mode and contains code to do appropriate robot initialization before starting the new mode.</a:t>
+              <a:t> – is called to do appropriate robot initialization before starting the </a:t>
+            </a:r>
+            <a:r>
+              <a:rPr lang="en-US" dirty="0" err="1"/>
+              <a:t>OpMode</a:t>
+            </a:r>
+            <a:r>
+              <a:rPr lang="en-US" dirty="0"/>
+              <a:t>.</a:t>
             </a:r>
           </a:p>
           <a:p>
@@ -14301,7 +14484,30 @@
             </a:r>
             <a:r>
               <a:rPr lang="en-US" dirty="0"/>
-              <a:t> – is called during mode transition out of a previous mode and contains code to do appropriate robot cleanup before exiting the previous mode.</a:t>
+              <a:t> – is called to do appropriate robot cleanup before exiting the </a:t>
+            </a:r>
+            <a:r>
+              <a:rPr lang="en-US" dirty="0" err="1"/>
+              <a:t>the</a:t>
+            </a:r>
+            <a:r>
+              <a:rPr lang="en-US" dirty="0"/>
+              <a:t> </a:t>
+            </a:r>
+            <a:r>
+              <a:rPr lang="en-US" dirty="0" err="1"/>
+              <a:t>OpMode</a:t>
+            </a:r>
+            <a:r>
+              <a:rPr lang="en-US" dirty="0"/>
+              <a:t>.</a:t>
+            </a:r>
+          </a:p>
+          <a:p>
+            <a:pPr lvl="1"/>
+            <a:r>
+              <a:rPr lang="en-US" dirty="0"/>
+              <a:t>Miscellaneous methods to facilitate hardware/subsystem accesses.</a:t>
             </a:r>
           </a:p>
         </p:txBody>
@@ -14319,7 +14525,7 @@
 </p:sld>
 </file>
 
-<file path=ppt/slides/slide12.xml><?xml version="1.0" encoding="utf-8"?>
+<file path=ppt/slides/slide13.xml><?xml version="1.0" encoding="utf-8"?>
 <p:sld xmlns:a="http://schemas.openxmlformats.org/drawingml/2006/main" xmlns:r="http://schemas.openxmlformats.org/officeDocument/2006/relationships" xmlns:p="http://schemas.openxmlformats.org/presentationml/2006/main">
   <p:cSld>
     <p:spTree>
@@ -14364,7 +14570,7 @@
           <a:p>
             <a:r>
               <a:rPr lang="en-US" dirty="0"/>
-              <a:t>2022-2023: Charged Up</a:t>
+              <a:t>2022-2023: Power Play</a:t>
             </a:r>
             <a:br>
               <a:rPr lang="en-US" dirty="0"/>
@@ -14378,10 +14584,10 @@
       </p:sp>
       <p:pic>
         <p:nvPicPr>
-          <p:cNvPr id="15" name="Picture 14">
+          <p:cNvPr id="4" name="Picture 3">
             <a:extLst>
               <a:ext uri="{FF2B5EF4-FFF2-40B4-BE49-F238E27FC236}">
-                <a16:creationId xmlns:a16="http://schemas.microsoft.com/office/drawing/2014/main" id="{6788B119-56A8-7173-6825-5B29D589C337}"/>
+                <a16:creationId xmlns:a16="http://schemas.microsoft.com/office/drawing/2014/main" id="{3604BBD4-9C60-FF77-E341-C51A718C6FB4}"/>
               </a:ext>
             </a:extLst>
           </p:cNvPr>
@@ -14398,8 +14604,8 @@
         </p:blipFill>
         <p:spPr>
           <a:xfrm>
-            <a:off x="1590675" y="2425399"/>
-            <a:ext cx="9010650" cy="4291013"/>
+            <a:off x="1256194" y="2356172"/>
+            <a:ext cx="9758363" cy="4271963"/>
           </a:xfrm>
           <a:prstGeom prst="rect">
             <a:avLst/>
@@ -14419,7 +14625,7 @@
 </p:sld>
 </file>
 
-<file path=ppt/slides/slide13.xml><?xml version="1.0" encoding="utf-8"?>
+<file path=ppt/slides/slide14.xml><?xml version="1.0" encoding="utf-8"?>
 <p:sld xmlns:a="http://schemas.openxmlformats.org/drawingml/2006/main" xmlns:r="http://schemas.openxmlformats.org/officeDocument/2006/relationships" xmlns:p="http://schemas.openxmlformats.org/presentationml/2006/main">
   <p:cSld>
     <p:spTree>
@@ -14441,7 +14647,7 @@
           <p:cNvPr id="2" name="Title 1">
             <a:extLst>
               <a:ext uri="{FF2B5EF4-FFF2-40B4-BE49-F238E27FC236}">
-                <a16:creationId xmlns:a16="http://schemas.microsoft.com/office/drawing/2014/main" id="{759966ED-C195-4B59-A493-6502CB661431}"/>
+                <a16:creationId xmlns:a16="http://schemas.microsoft.com/office/drawing/2014/main" id="{6B1D0677-7E86-40C4-83EE-D4BA316A972A}"/>
               </a:ext>
             </a:extLst>
           </p:cNvPr>
@@ -14452,45 +14658,15 @@
             <p:ph type="title"/>
           </p:nvPr>
         </p:nvSpPr>
-        <p:spPr>
-          <a:xfrm>
-            <a:off x="1154954" y="973668"/>
-            <a:ext cx="10279240" cy="706964"/>
-          </a:xfrm>
-        </p:spPr>
+        <p:spPr/>
         <p:txBody>
           <a:bodyPr/>
           <a:lstStyle/>
           <a:p>
             <a:r>
-              <a:rPr lang="en-US" dirty="0" err="1"/>
-              <a:t>FrcDisabled</a:t>
-            </a:r>
-            <a:r>
-              <a:rPr lang="en-US" dirty="0"/>
-              <a:t>, </a:t>
-            </a:r>
-            <a:r>
-              <a:rPr lang="en-US" dirty="0" err="1"/>
-              <a:t>FrcAuto</a:t>
-            </a:r>
-            <a:r>
-              <a:rPr lang="en-US" dirty="0"/>
-              <a:t>, </a:t>
-            </a:r>
-            <a:r>
-              <a:rPr lang="en-US" dirty="0" err="1"/>
-              <a:t>FrcTeleOp</a:t>
-            </a:r>
-            <a:r>
-              <a:rPr lang="en-US" dirty="0"/>
-              <a:t> and </a:t>
-            </a:r>
-            <a:r>
-              <a:rPr lang="en-US" dirty="0" err="1"/>
-              <a:t>FrcTest</a:t>
-            </a:r>
-            <a:endParaRPr lang="en-US" dirty="0"/>
+              <a:rPr lang="en-US" dirty="0"/>
+              <a:t>RobotParams.java</a:t>
+            </a:r>
           </a:p>
         </p:txBody>
       </p:sp>
@@ -14499,7 +14675,7 @@
           <p:cNvPr id="3" name="Content Placeholder 2">
             <a:extLst>
               <a:ext uri="{FF2B5EF4-FFF2-40B4-BE49-F238E27FC236}">
-                <a16:creationId xmlns:a16="http://schemas.microsoft.com/office/drawing/2014/main" id="{7558AA1A-C25C-4AB8-91CC-7BD26002EA0C}"/>
+                <a16:creationId xmlns:a16="http://schemas.microsoft.com/office/drawing/2014/main" id="{668B783C-0FC9-4170-BAB3-6C4C1C436412}"/>
               </a:ext>
             </a:extLst>
           </p:cNvPr>
@@ -14512,54 +14688,46 @@
         </p:nvSpPr>
         <p:spPr>
           <a:xfrm>
-            <a:off x="1154954" y="2603500"/>
-            <a:ext cx="10505743" cy="3416300"/>
+            <a:off x="577515" y="2283812"/>
+            <a:ext cx="10876547" cy="4335744"/>
           </a:xfrm>
         </p:spPr>
         <p:txBody>
-          <a:bodyPr/>
+          <a:bodyPr>
+            <a:normAutofit/>
+          </a:bodyPr>
           <a:lstStyle/>
           <a:p>
             <a:r>
               <a:rPr lang="en-US" dirty="0"/>
-              <a:t>All these modules implement </a:t>
-            </a:r>
-            <a:r>
-              <a:rPr lang="en-US" dirty="0" err="1"/>
-              <a:t>TrcRobot.RobotMode</a:t>
-            </a:r>
-            <a:r>
-              <a:rPr lang="en-US" dirty="0"/>
-              <a:t> which means it must implement the following methods:</a:t>
+              <a:t>RobotParams.java contains preferences and parameters of the robot and subsystems.</a:t>
+            </a:r>
+          </a:p>
+          <a:p>
+            <a:r>
+              <a:rPr lang="en-US" dirty="0"/>
+              <a:t>Preferences:</a:t>
             </a:r>
           </a:p>
           <a:p>
             <a:pPr lvl="1"/>
             <a:r>
-              <a:rPr lang="en-US" dirty="0" err="1"/>
-              <a:t>startMode</a:t>
-            </a:r>
-            <a:r>
-              <a:rPr lang="en-US" dirty="0"/>
-              <a:t> – is called before starting the corresponding robot mode and contains code to initialize/enable components necessary for the robot mode.</a:t>
+              <a:rPr lang="en-US" dirty="0"/>
+              <a:t>Enable and disable hardware and subsystems: it is especially useful when debugging subsystems during development when some hardware may not exist yet.</a:t>
             </a:r>
           </a:p>
           <a:p>
             <a:pPr lvl="1"/>
             <a:r>
-              <a:rPr lang="en-US" dirty="0" err="1"/>
-              <a:t>stopMode</a:t>
-            </a:r>
-            <a:r>
-              <a:rPr lang="en-US" dirty="0"/>
-              <a:t> – is called before exiting the corresponding robot mode and contains code to cleanup/disable components necessary for the robot mode.</a:t>
+              <a:rPr lang="en-US" dirty="0"/>
+              <a:t>Robot and competition field characteristics: constants such as robot dimensions, field dimensions, robot starting locations, field element locations.</a:t>
             </a:r>
           </a:p>
           <a:p>
             <a:pPr lvl="1"/>
             <a:r>
               <a:rPr lang="en-US" dirty="0"/>
-              <a:t>periodic – is called periodically during the robot mode to perform various low frequency tasks such as reading human input or displaying status or high frequency tasks such as PID controlled drive or autonomous state machines.</a:t>
+              <a:t>Hardware/Subsystem parameters: specifies hardware/subsystem properties and parameters.</a:t>
             </a:r>
           </a:p>
         </p:txBody>
@@ -14567,7 +14735,7 @@
     </p:spTree>
     <p:extLst>
       <p:ext uri="{BB962C8B-B14F-4D97-AF65-F5344CB8AC3E}">
-        <p14:creationId xmlns:p14="http://schemas.microsoft.com/office/powerpoint/2010/main" val="254450510"/>
+        <p14:creationId xmlns:p14="http://schemas.microsoft.com/office/powerpoint/2010/main" val="373019115"/>
       </p:ext>
     </p:extLst>
   </p:cSld>
@@ -14758,8 +14926,8 @@
         </p:nvSpPr>
         <p:spPr>
           <a:xfrm>
-            <a:off x="1154953" y="2603499"/>
-            <a:ext cx="10505744" cy="3587576"/>
+            <a:off x="678144" y="2305688"/>
+            <a:ext cx="10982553" cy="4458247"/>
           </a:xfrm>
         </p:spPr>
         <p:txBody>
@@ -14784,6 +14952,13 @@
             <a:pPr lvl="1"/>
             <a:r>
               <a:rPr lang="en-US" dirty="0"/>
+              <a:t>What is TRC Framework?</a:t>
+            </a:r>
+          </a:p>
+          <a:p>
+            <a:pPr lvl="1"/>
+            <a:r>
+              <a:rPr lang="en-US" dirty="0"/>
               <a:t>TRC Framework Organization</a:t>
             </a:r>
           </a:p>
@@ -14798,19 +14973,82 @@
             <a:pPr lvl="1"/>
             <a:r>
               <a:rPr lang="en-US" dirty="0"/>
-              <a:t>FTC Robot </a:t>
+              <a:t>Robot Code Organization</a:t>
+            </a:r>
+          </a:p>
+          <a:p>
+            <a:pPr lvl="1"/>
+            <a:r>
+              <a:rPr lang="en-US" dirty="0"/>
+              <a:t>FTC Robot Modes</a:t>
+            </a:r>
+          </a:p>
+          <a:p>
+            <a:pPr lvl="1"/>
+            <a:r>
+              <a:rPr lang="en-US" dirty="0"/>
+              <a:t>FTC </a:t>
             </a:r>
             <a:r>
               <a:rPr lang="en-US" dirty="0" err="1"/>
               <a:t>OpModes</a:t>
             </a:r>
+            <a:r>
+              <a:rPr lang="en-US" dirty="0"/>
+              <a:t>: </a:t>
+            </a:r>
+            <a:r>
+              <a:rPr lang="en-US" dirty="0" err="1"/>
+              <a:t>FtcAuto</a:t>
+            </a:r>
+            <a:r>
+              <a:rPr lang="en-US" dirty="0"/>
+              <a:t>, </a:t>
+            </a:r>
+            <a:r>
+              <a:rPr lang="en-US" dirty="0" err="1"/>
+              <a:t>FtcTeleOp</a:t>
+            </a:r>
+            <a:r>
+              <a:rPr lang="en-US" dirty="0"/>
+              <a:t>, </a:t>
+            </a:r>
+            <a:r>
+              <a:rPr lang="en-US" dirty="0" err="1"/>
+              <a:t>FtcTest</a:t>
+            </a:r>
             <a:endParaRPr lang="en-US" dirty="0"/>
           </a:p>
           <a:p>
             <a:pPr lvl="1"/>
             <a:r>
-              <a:rPr lang="en-US" dirty="0"/>
-              <a:t>Robot Code Organization</a:t>
+              <a:rPr lang="en-US" dirty="0" err="1"/>
+              <a:t>OpMode</a:t>
+            </a:r>
+            <a:r>
+              <a:rPr lang="en-US" dirty="0"/>
+              <a:t> Execution Flowchart</a:t>
+            </a:r>
+          </a:p>
+          <a:p>
+            <a:pPr lvl="1"/>
+            <a:r>
+              <a:rPr lang="en-US" dirty="0"/>
+              <a:t>Robot.java</a:t>
+            </a:r>
+          </a:p>
+          <a:p>
+            <a:pPr lvl="1"/>
+            <a:r>
+              <a:rPr lang="en-US" dirty="0"/>
+              <a:t>Robot Organization</a:t>
+            </a:r>
+          </a:p>
+          <a:p>
+            <a:pPr lvl="1"/>
+            <a:r>
+              <a:rPr lang="en-US" dirty="0"/>
+              <a:t>RobotParams.java</a:t>
             </a:r>
           </a:p>
         </p:txBody>
@@ -14891,13 +15129,13 @@
         </p:nvSpPr>
         <p:spPr>
           <a:xfrm>
-            <a:off x="466726" y="2247900"/>
-            <a:ext cx="11239500" cy="4400550"/>
+            <a:off x="625642" y="2436942"/>
+            <a:ext cx="10749669" cy="4211508"/>
           </a:xfrm>
         </p:spPr>
         <p:txBody>
           <a:bodyPr>
-            <a:normAutofit fontScale="92500"/>
+            <a:normAutofit/>
           </a:bodyPr>
           <a:lstStyle/>
           <a:p>
@@ -14907,7 +15145,6 @@
                   <a:srgbClr val="000000"/>
                 </a:solidFill>
                 <a:effectLst/>
-                <a:latin typeface="Calibri" panose="020F0502020204030204" pitchFamily="34" charset="0"/>
               </a:rPr>
               <a:t>GitHub: That's where all our code repositories are stored. If you don't already have a GitHub account, register for one </a:t>
             </a:r>
@@ -14917,7 +15154,6 @@
                   <a:srgbClr val="000000"/>
                 </a:solidFill>
                 <a:effectLst/>
-                <a:latin typeface="Calibri" panose="020F0502020204030204" pitchFamily="34" charset="0"/>
                 <a:hlinkClick r:id="rId2"/>
               </a:rPr>
               <a:t>here</a:t>
@@ -14928,7 +15164,6 @@
                   <a:srgbClr val="000000"/>
                 </a:solidFill>
                 <a:effectLst/>
-                <a:latin typeface="Calibri" panose="020F0502020204030204" pitchFamily="34" charset="0"/>
               </a:rPr>
               <a:t>. Our code repositories can be found </a:t>
             </a:r>
@@ -14937,7 +15172,6 @@
                 <a:solidFill>
                   <a:srgbClr val="000000"/>
                 </a:solidFill>
-                <a:latin typeface="Calibri" panose="020F0502020204030204" pitchFamily="34" charset="0"/>
                 <a:hlinkClick r:id="rId3"/>
               </a:rPr>
               <a:t>here</a:t>
@@ -14947,7 +15181,6 @@
                 <a:solidFill>
                   <a:srgbClr val="000000"/>
                 </a:solidFill>
-                <a:latin typeface="Calibri" panose="020F0502020204030204" pitchFamily="34" charset="0"/>
               </a:rPr>
               <a:t>.</a:t>
             </a:r>
@@ -14959,9 +15192,8 @@
                   <a:srgbClr val="000000"/>
                 </a:solidFill>
                 <a:effectLst/>
-                <a:latin typeface="Calibri" panose="020F0502020204030204" pitchFamily="34" charset="0"/>
               </a:rPr>
-              <a:t>GitHub Desktop app: GUI application to manage GitHub repositories (download and install from </a:t>
+              <a:t>Follow the software installation instruction document </a:t>
             </a:r>
             <a:r>
               <a:rPr lang="en-US" sz="1800" b="0" i="0" dirty="0">
@@ -14969,7 +15201,6 @@
                   <a:srgbClr val="000000"/>
                 </a:solidFill>
                 <a:effectLst/>
-                <a:latin typeface="Calibri" panose="020F0502020204030204" pitchFamily="34" charset="0"/>
                 <a:hlinkClick r:id="rId4"/>
               </a:rPr>
               <a:t>here</a:t>
@@ -14980,298 +15211,25 @@
                   <a:srgbClr val="000000"/>
                 </a:solidFill>
                 <a:effectLst/>
-                <a:latin typeface="Calibri" panose="020F0502020204030204" pitchFamily="34" charset="0"/>
               </a:rPr>
-              <a:t>).</a:t>
-            </a:r>
-          </a:p>
-          <a:p>
+              <a:t> to </a:t>
+            </a:r>
+            <a:r>
+              <a:rPr lang="en-US" dirty="0">
+                <a:solidFill>
+                  <a:srgbClr val="000000"/>
+                </a:solidFill>
+              </a:rPr>
+              <a:t>i</a:t>
+            </a:r>
             <a:r>
               <a:rPr lang="en-US" sz="1800" b="0" i="0" dirty="0">
                 <a:solidFill>
                   <a:srgbClr val="000000"/>
                 </a:solidFill>
                 <a:effectLst/>
-                <a:latin typeface="Calibri" panose="020F0502020204030204" pitchFamily="34" charset="0"/>
               </a:rPr>
-              <a:t>Follow the software installation instruction document </a:t>
-            </a:r>
-            <a:r>
-              <a:rPr lang="en-US" sz="1800" b="0" i="0" dirty="0">
-                <a:solidFill>
-                  <a:srgbClr val="000000"/>
-                </a:solidFill>
-                <a:effectLst/>
-                <a:latin typeface="Calibri" panose="020F0502020204030204" pitchFamily="34" charset="0"/>
-                <a:hlinkClick r:id="rId5"/>
-              </a:rPr>
-              <a:t>here</a:t>
-            </a:r>
-            <a:r>
-              <a:rPr lang="en-US" sz="1800" b="0" i="0" dirty="0">
-                <a:solidFill>
-                  <a:srgbClr val="000000"/>
-                </a:solidFill>
-                <a:effectLst/>
-                <a:latin typeface="Calibri" panose="020F0502020204030204" pitchFamily="34" charset="0"/>
-              </a:rPr>
-              <a:t> to </a:t>
-            </a:r>
-            <a:r>
-              <a:rPr lang="en-US" dirty="0">
-                <a:solidFill>
-                  <a:srgbClr val="000000"/>
-                </a:solidFill>
-                <a:latin typeface="Calibri" panose="020F0502020204030204" pitchFamily="34" charset="0"/>
-              </a:rPr>
-              <a:t>i</a:t>
-            </a:r>
-            <a:r>
-              <a:rPr lang="en-US" sz="1800" b="0" i="0" dirty="0">
-                <a:solidFill>
-                  <a:srgbClr val="000000"/>
-                </a:solidFill>
-                <a:effectLst/>
-                <a:latin typeface="Calibri" panose="020F0502020204030204" pitchFamily="34" charset="0"/>
-              </a:rPr>
-              <a:t>nstall FTC software</a:t>
-            </a:r>
-          </a:p>
-          <a:p>
-            <a:r>
-              <a:rPr lang="en-US" sz="1800" b="0" i="0" dirty="0">
-                <a:solidFill>
-                  <a:srgbClr val="000000"/>
-                </a:solidFill>
-                <a:effectLst/>
-                <a:latin typeface="Calibri" panose="020F0502020204030204" pitchFamily="34" charset="0"/>
-              </a:rPr>
-              <a:t>Optionally, you can also install the FRC Game Tools </a:t>
-            </a:r>
-            <a:r>
-              <a:rPr lang="en-US" sz="1800" b="0" i="0" dirty="0">
-                <a:solidFill>
-                  <a:srgbClr val="000000"/>
-                </a:solidFill>
-                <a:effectLst/>
-                <a:latin typeface="Calibri" panose="020F0502020204030204" pitchFamily="34" charset="0"/>
-                <a:hlinkClick r:id="rId6"/>
-              </a:rPr>
-              <a:t>here</a:t>
-            </a:r>
-            <a:r>
-              <a:rPr lang="en-US" sz="1800" b="0" i="0" dirty="0">
-                <a:solidFill>
-                  <a:srgbClr val="000000"/>
-                </a:solidFill>
-                <a:effectLst/>
-                <a:latin typeface="Calibri" panose="020F0502020204030204" pitchFamily="34" charset="0"/>
-              </a:rPr>
-              <a:t> </a:t>
-            </a:r>
-            <a:r>
-              <a:rPr lang="en-US" dirty="0">
-                <a:solidFill>
-                  <a:srgbClr val="000000"/>
-                </a:solidFill>
-                <a:latin typeface="Calibri" panose="020F0502020204030204" pitchFamily="34" charset="0"/>
-              </a:rPr>
-              <a:t>which </a:t>
-            </a:r>
-            <a:r>
-              <a:rPr lang="en-US" sz="1800" b="0" i="0" dirty="0">
-                <a:solidFill>
-                  <a:srgbClr val="000000"/>
-                </a:solidFill>
-                <a:effectLst/>
-                <a:latin typeface="Calibri" panose="020F0502020204030204" pitchFamily="34" charset="0"/>
-              </a:rPr>
-              <a:t>contains FRC Driver Station and </a:t>
-            </a:r>
-            <a:r>
-              <a:rPr lang="en-US" sz="1800" b="0" i="0" dirty="0" err="1">
-                <a:solidFill>
-                  <a:srgbClr val="000000"/>
-                </a:solidFill>
-                <a:effectLst/>
-                <a:latin typeface="Calibri" panose="020F0502020204030204" pitchFamily="34" charset="0"/>
-              </a:rPr>
-              <a:t>RoboRIO</a:t>
-            </a:r>
-            <a:r>
-              <a:rPr lang="en-US" sz="1800" b="0" i="0" dirty="0">
-                <a:solidFill>
-                  <a:srgbClr val="000000"/>
-                </a:solidFill>
-                <a:effectLst/>
-                <a:latin typeface="Calibri" panose="020F0502020204030204" pitchFamily="34" charset="0"/>
-              </a:rPr>
-              <a:t> Imaging Tool.</a:t>
-            </a:r>
-          </a:p>
-          <a:p>
-            <a:r>
-              <a:rPr lang="en-US" sz="1800" b="0" i="0" dirty="0">
-                <a:solidFill>
-                  <a:srgbClr val="000000"/>
-                </a:solidFill>
-                <a:effectLst/>
-                <a:latin typeface="Calibri" panose="020F0502020204030204" pitchFamily="34" charset="0"/>
-              </a:rPr>
-              <a:t>Install 3rd Party Vendor Libraries: This is done inside Visual Studio Code. The instructions can be found </a:t>
-            </a:r>
-            <a:r>
-              <a:rPr lang="en-US" sz="1800" b="0" i="0" dirty="0">
-                <a:solidFill>
-                  <a:srgbClr val="000000"/>
-                </a:solidFill>
-                <a:effectLst/>
-                <a:latin typeface="Calibri" panose="020F0502020204030204" pitchFamily="34" charset="0"/>
-                <a:hlinkClick r:id="rId7"/>
-              </a:rPr>
-              <a:t>here</a:t>
-            </a:r>
-            <a:r>
-              <a:rPr lang="en-US" sz="1800" b="0" i="0" dirty="0">
-                <a:solidFill>
-                  <a:srgbClr val="000000"/>
-                </a:solidFill>
-                <a:effectLst/>
-                <a:latin typeface="Calibri" panose="020F0502020204030204" pitchFamily="34" charset="0"/>
-              </a:rPr>
-              <a:t>. There are many 3rd party libraries. We don't need all of them. The must haves are listed below. If we need more, we can install them later.</a:t>
-            </a:r>
-          </a:p>
-          <a:p>
-            <a:pPr lvl="1"/>
-            <a:r>
-              <a:rPr lang="en-US" sz="1600" b="0" i="0" dirty="0">
-                <a:solidFill>
-                  <a:srgbClr val="000000"/>
-                </a:solidFill>
-                <a:effectLst/>
-                <a:latin typeface="Calibri" panose="020F0502020204030204" pitchFamily="34" charset="0"/>
-              </a:rPr>
-              <a:t>CTRE Phoenix </a:t>
-            </a:r>
-            <a:r>
-              <a:rPr lang="en-US" sz="1600" b="0" i="0" dirty="0" err="1">
-                <a:solidFill>
-                  <a:srgbClr val="000000"/>
-                </a:solidFill>
-                <a:effectLst/>
-                <a:latin typeface="Calibri" panose="020F0502020204030204" pitchFamily="34" charset="0"/>
-              </a:rPr>
-              <a:t>Toolsuite</a:t>
-            </a:r>
-            <a:r>
-              <a:rPr lang="en-US" sz="1600" b="0" i="0" dirty="0">
-                <a:solidFill>
-                  <a:srgbClr val="000000"/>
-                </a:solidFill>
-                <a:effectLst/>
-                <a:latin typeface="Calibri" panose="020F0502020204030204" pitchFamily="34" charset="0"/>
-              </a:rPr>
-              <a:t> - for CTRE motor controllers such as Talons and Falcons.</a:t>
-            </a:r>
-          </a:p>
-          <a:p>
-            <a:pPr lvl="1"/>
-            <a:r>
-              <a:rPr lang="en-US" sz="1600" b="0" i="0" dirty="0">
-                <a:solidFill>
-                  <a:srgbClr val="000000"/>
-                </a:solidFill>
-                <a:effectLst/>
-                <a:latin typeface="Calibri" panose="020F0502020204030204" pitchFamily="34" charset="0"/>
-              </a:rPr>
-              <a:t>Kauai Labs - for </a:t>
-            </a:r>
-            <a:r>
-              <a:rPr lang="en-US" sz="1600" b="0" i="0" dirty="0" err="1">
-                <a:solidFill>
-                  <a:srgbClr val="000000"/>
-                </a:solidFill>
-                <a:effectLst/>
-                <a:latin typeface="Calibri" panose="020F0502020204030204" pitchFamily="34" charset="0"/>
-              </a:rPr>
-              <a:t>NavX</a:t>
-            </a:r>
-            <a:r>
-              <a:rPr lang="en-US" sz="1600" b="0" i="0" dirty="0">
-                <a:solidFill>
-                  <a:srgbClr val="000000"/>
-                </a:solidFill>
-                <a:effectLst/>
-                <a:latin typeface="Calibri" panose="020F0502020204030204" pitchFamily="34" charset="0"/>
-              </a:rPr>
-              <a:t> IMU.</a:t>
-            </a:r>
-          </a:p>
-          <a:p>
-            <a:pPr lvl="1"/>
-            <a:r>
-              <a:rPr lang="en-US" sz="1600" b="0" i="0" dirty="0">
-                <a:solidFill>
-                  <a:srgbClr val="000000"/>
-                </a:solidFill>
-                <a:effectLst/>
-                <a:latin typeface="Calibri" panose="020F0502020204030204" pitchFamily="34" charset="0"/>
-              </a:rPr>
-              <a:t>Rev Robotics SPARKMAX - for </a:t>
-            </a:r>
-            <a:r>
-              <a:rPr lang="en-US" sz="1600" b="0" i="0" dirty="0" err="1">
-                <a:solidFill>
-                  <a:srgbClr val="000000"/>
-                </a:solidFill>
-                <a:effectLst/>
-                <a:latin typeface="Calibri" panose="020F0502020204030204" pitchFamily="34" charset="0"/>
-              </a:rPr>
-              <a:t>SparkMax</a:t>
-            </a:r>
-            <a:r>
-              <a:rPr lang="en-US" sz="1600" b="0" i="0" dirty="0">
-                <a:solidFill>
-                  <a:srgbClr val="000000"/>
-                </a:solidFill>
-                <a:effectLst/>
-                <a:latin typeface="Calibri" panose="020F0502020204030204" pitchFamily="34" charset="0"/>
-              </a:rPr>
-              <a:t> motor controllers.</a:t>
-            </a:r>
-          </a:p>
-          <a:p>
-            <a:r>
-              <a:rPr lang="en-US" sz="1800" b="0" i="0" dirty="0">
-                <a:solidFill>
-                  <a:srgbClr val="000000"/>
-                </a:solidFill>
-                <a:effectLst/>
-                <a:latin typeface="Calibri" panose="020F0502020204030204" pitchFamily="34" charset="0"/>
-              </a:rPr>
-              <a:t>Finally, it is highly recommended you read the document </a:t>
-            </a:r>
-            <a:r>
-              <a:rPr lang="en-US" sz="1800" b="0" i="0" dirty="0">
-                <a:solidFill>
-                  <a:srgbClr val="000000"/>
-                </a:solidFill>
-                <a:effectLst/>
-                <a:latin typeface="Calibri" panose="020F0502020204030204" pitchFamily="34" charset="0"/>
-                <a:hlinkClick r:id="rId8"/>
-              </a:rPr>
-              <a:t>here</a:t>
-            </a:r>
-            <a:r>
-              <a:rPr lang="en-US" sz="1800" b="0" i="0" dirty="0">
-                <a:solidFill>
-                  <a:srgbClr val="000000"/>
-                </a:solidFill>
-                <a:effectLst/>
-                <a:latin typeface="Calibri" panose="020F0502020204030204" pitchFamily="34" charset="0"/>
-              </a:rPr>
-              <a:t> to familiarize yourself with how FRC software works. The software installation steps above is essentially a quick summary from reading this doc.</a:t>
+              <a:t>nstall FTC software.</a:t>
             </a:r>
           </a:p>
         </p:txBody>
@@ -15363,26 +15321,14 @@
           <a:lstStyle/>
           <a:p>
             <a:r>
-              <a:rPr lang="en-US" dirty="0" err="1"/>
-              <a:t>WPILib</a:t>
-            </a:r>
-            <a:r>
-              <a:rPr lang="en-US" dirty="0"/>
-              <a:t> provides basic functionalities accessing hardware, communicating and controlling the robot.</a:t>
-            </a:r>
-          </a:p>
-          <a:p>
-            <a:r>
-              <a:rPr lang="en-US" dirty="0"/>
-              <a:t>TRC Library extends </a:t>
-            </a:r>
-            <a:r>
-              <a:rPr lang="en-US" dirty="0" err="1"/>
-              <a:t>WPILib</a:t>
-            </a:r>
-            <a:r>
-              <a:rPr lang="en-US" dirty="0"/>
-              <a:t> to provide even more functionalities and complex algorithms that are not game specific.</a:t>
+              <a:rPr lang="en-US" dirty="0"/>
+              <a:t>FTC SDK provides basic functionalities accessing hardware, communicating and controlling the robot.</a:t>
+            </a:r>
+          </a:p>
+          <a:p>
+            <a:r>
+              <a:rPr lang="en-US" dirty="0"/>
+              <a:t>TRC Library extends FTC SDK to provide even more functionalities and complex algorithms that are not game specific.</a:t>
             </a:r>
           </a:p>
           <a:p>
@@ -15548,7 +15494,7 @@
             <a:pPr lvl="1"/>
             <a:r>
               <a:rPr lang="en-US" dirty="0"/>
-              <a:t>Input: Provides wrappers for input devices such as joysticks, game controllers, Driver Station and sensors (e.g. gyros, encoders, distance sensors, limit switches </a:t>
+              <a:t>Input: Provides wrappers for input devices such as game controllers, Driver Station Dashboard and sensors (e.g. gyros, encoders, distance sensors, limit switches </a:t>
             </a:r>
             <a:r>
               <a:rPr lang="en-US" dirty="0" err="1"/>
@@ -15563,7 +15509,7 @@
             <a:pPr lvl="1"/>
             <a:r>
               <a:rPr lang="en-US" dirty="0"/>
-              <a:t>Output: Provides wrappers for actuators such as motor controllers, servos, pneumatics, drive bases, indicators (e.g. </a:t>
+              <a:t>Output: Provides wrappers for actuators such as motor controllers, servos, drive bases, indicators (e.g. </a:t>
             </a:r>
             <a:r>
               <a:rPr lang="en-US" dirty="0" err="1"/>
@@ -15593,7 +15539,7 @@
             <a:pPr lvl="1"/>
             <a:r>
               <a:rPr lang="en-US" dirty="0"/>
-              <a:t>Vision: Provides wrappers for communicating with cameras and various vision processing (e.g. OpenCV, </a:t>
+              <a:t>Vision: Provides wrappers for communicating with cameras and various vision processing (e.g. </a:t>
             </a:r>
             <a:r>
               <a:rPr lang="en-US" dirty="0" err="1"/>
@@ -15601,7 +15547,7 @@
             </a:r>
             <a:r>
               <a:rPr lang="en-US" dirty="0"/>
-              <a:t>).</a:t>
+              <a:t>, OpenCV, TensorFlow).</a:t>
             </a:r>
           </a:p>
           <a:p>
@@ -15635,7 +15581,7 @@
         </p:blipFill>
         <p:spPr>
           <a:xfrm>
-            <a:off x="9417901" y="2132062"/>
+            <a:off x="9417901" y="2740204"/>
             <a:ext cx="2552700" cy="3005138"/>
           </a:xfrm>
           <a:prstGeom prst="rect">
@@ -15696,7 +15642,7 @@
           <a:p>
             <a:r>
               <a:rPr lang="en-US" dirty="0"/>
-              <a:t>FRC Template Project</a:t>
+              <a:t>FTC Template Project</a:t>
             </a:r>
           </a:p>
         </p:txBody>
@@ -15735,7 +15681,7 @@
             </a:r>
             <a:r>
               <a:rPr lang="en-US" dirty="0" err="1"/>
-              <a:t>FRCTemplate</a:t>
+              <a:t>FTCTemplate</a:t>
             </a:r>
             <a:r>
               <a:rPr lang="en-US" dirty="0"/>
@@ -15748,7 +15694,7 @@
               <a:rPr lang="en-US" dirty="0">
                 <a:hlinkClick r:id="rId2"/>
               </a:rPr>
-              <a:t>https://github.com/trc492/FrcTemplate</a:t>
+              <a:t>https://github.com/trc492/FtcTemplate</a:t>
             </a:r>
             <a:endParaRPr lang="en-US" dirty="0"/>
           </a:p>
@@ -15756,6 +15702,14 @@
             <a:r>
               <a:rPr lang="en-US" dirty="0"/>
               <a:t>The java template code is located in the folder </a:t>
+            </a:r>
+            <a:r>
+              <a:rPr lang="en-US" dirty="0" err="1"/>
+              <a:t>TeamCode</a:t>
+            </a:r>
+            <a:r>
+              <a:rPr lang="en-US" dirty="0"/>
+              <a:t>/</a:t>
             </a:r>
             <a:r>
               <a:rPr lang="en-US" dirty="0" err="1"/>
@@ -15781,18 +15735,22 @@
             <a:pPr lvl="1"/>
             <a:r>
               <a:rPr lang="en-US" dirty="0" err="1"/>
-              <a:t>TrcFrcLib</a:t>
-            </a:r>
-            <a:r>
-              <a:rPr lang="en-US" dirty="0"/>
-              <a:t> - contains code modules that are specific to FRC.</a:t>
+              <a:t>TrcFtcLib</a:t>
+            </a:r>
+            <a:r>
+              <a:rPr lang="en-US" dirty="0"/>
+              <a:t> - contains code modules that are specific to FTC.</a:t>
             </a:r>
           </a:p>
           <a:p>
             <a:pPr lvl="1"/>
             <a:r>
-              <a:rPr lang="en-US" dirty="0"/>
-              <a:t>team492 – contains the main competition code.</a:t>
+              <a:rPr lang="en-US" dirty="0" err="1"/>
+              <a:t>teamcode</a:t>
+            </a:r>
+            <a:r>
+              <a:rPr lang="en-US" dirty="0"/>
+              <a:t> – contains the main competition code.</a:t>
             </a:r>
           </a:p>
         </p:txBody>
@@ -15832,7 +15790,7 @@
           <p:cNvPr id="2" name="Title 1">
             <a:extLst>
               <a:ext uri="{FF2B5EF4-FFF2-40B4-BE49-F238E27FC236}">
-                <a16:creationId xmlns:a16="http://schemas.microsoft.com/office/drawing/2014/main" id="{48F53726-82EA-44D8-9F6B-80803BFDE6D6}"/>
+                <a16:creationId xmlns:a16="http://schemas.microsoft.com/office/drawing/2014/main" id="{87804EB8-FF93-4FED-87D9-D1BDD592FB51}"/>
               </a:ext>
             </a:extLst>
           </p:cNvPr>
@@ -15850,7 +15808,7 @@
           <a:p>
             <a:r>
               <a:rPr lang="en-US" dirty="0"/>
-              <a:t>FRC Robot Modes</a:t>
+              <a:t>Robot Code Organization</a:t>
             </a:r>
           </a:p>
         </p:txBody>
@@ -15860,7 +15818,7 @@
           <p:cNvPr id="3" name="Content Placeholder 2">
             <a:extLst>
               <a:ext uri="{FF2B5EF4-FFF2-40B4-BE49-F238E27FC236}">
-                <a16:creationId xmlns:a16="http://schemas.microsoft.com/office/drawing/2014/main" id="{28E5E675-6C5D-4E7B-B733-85FC86FD6B73}"/>
+                <a16:creationId xmlns:a16="http://schemas.microsoft.com/office/drawing/2014/main" id="{32A4EDDC-9452-4052-A720-A2507DE0B196}"/>
               </a:ext>
             </a:extLst>
           </p:cNvPr>
@@ -15873,100 +15831,199 @@
         </p:nvSpPr>
         <p:spPr>
           <a:xfrm>
-            <a:off x="461395" y="2332139"/>
-            <a:ext cx="11400638" cy="4093828"/>
+            <a:off x="507514" y="2283811"/>
+            <a:ext cx="11112804" cy="4528249"/>
           </a:xfrm>
         </p:spPr>
         <p:txBody>
           <a:bodyPr>
-            <a:normAutofit/>
+            <a:normAutofit fontScale="70000" lnSpcReduction="20000"/>
           </a:bodyPr>
           <a:lstStyle/>
           <a:p>
             <a:r>
               <a:rPr lang="en-US" dirty="0"/>
-              <a:t>The robot can be in one of the four modes:</a:t>
+              <a:t>In the </a:t>
+            </a:r>
+            <a:r>
+              <a:rPr lang="en-US" dirty="0" err="1"/>
+              <a:t>teamcode</a:t>
+            </a:r>
+            <a:r>
+              <a:rPr lang="en-US" dirty="0"/>
+              <a:t> package, the provided code template folders/files are:</a:t>
             </a:r>
           </a:p>
           <a:p>
             <a:pPr lvl="1"/>
             <a:r>
-              <a:rPr lang="en-US" dirty="0"/>
-              <a:t>Disabled mode – the robot is powered ON but not operational, generally safe to work on the robot.</a:t>
+              <a:rPr lang="en-US" dirty="0" err="1"/>
+              <a:t>autocommands</a:t>
+            </a:r>
+            <a:r>
+              <a:rPr lang="en-US" dirty="0"/>
+              <a:t> folder – all autonomous strategy code are located here.</a:t>
+            </a:r>
+          </a:p>
+          <a:p>
+            <a:pPr lvl="2"/>
+            <a:r>
+              <a:rPr lang="en-US" dirty="0"/>
+              <a:t>CmdAuto.java – Template code for implementing an autonomous strategy.</a:t>
             </a:r>
           </a:p>
           <a:p>
             <a:pPr lvl="1"/>
             <a:r>
-              <a:rPr lang="en-US" dirty="0"/>
-              <a:t>Autonomous mode – the robot is totally controlled by sensors and code without any human control.</a:t>
+              <a:rPr lang="en-US" dirty="0" err="1"/>
+              <a:t>autotasks</a:t>
+            </a:r>
+            <a:r>
+              <a:rPr lang="en-US" dirty="0"/>
+              <a:t> folder – all auto-assist task code are located here.</a:t>
+            </a:r>
+          </a:p>
+          <a:p>
+            <a:pPr lvl="2"/>
+            <a:r>
+              <a:rPr lang="en-US" dirty="0"/>
+              <a:t>TaskAuto.java – Template code for implementing an auto-assist task.</a:t>
             </a:r>
           </a:p>
           <a:p>
             <a:pPr lvl="1"/>
+            <a:r>
+              <a:rPr lang="en-US" dirty="0" err="1"/>
+              <a:t>drivebases</a:t>
+            </a:r>
+            <a:r>
+              <a:rPr lang="en-US" dirty="0"/>
+              <a:t> folder – all Drive Base code are located here.</a:t>
+            </a:r>
+          </a:p>
+          <a:p>
+            <a:pPr lvl="2"/>
+            <a:r>
+              <a:rPr lang="en-US" dirty="0"/>
+              <a:t>RobotDrive.java – contains code that’s common to all types of drive bases.</a:t>
+            </a:r>
+          </a:p>
+          <a:p>
+            <a:pPr lvl="2"/>
+            <a:r>
+              <a:rPr lang="en-US" dirty="0"/>
+              <a:t>MecanumDrive.java – contains code implementing a </a:t>
+            </a:r>
+            <a:r>
+              <a:rPr lang="en-US" dirty="0" err="1"/>
+              <a:t>mecanum</a:t>
+            </a:r>
+            <a:r>
+              <a:rPr lang="en-US" dirty="0"/>
+              <a:t> drive base.</a:t>
+            </a:r>
+          </a:p>
+          <a:p>
+            <a:pPr lvl="2"/>
+            <a:r>
+              <a:rPr lang="en-US" dirty="0"/>
+              <a:t>SwerveDrive.java – contains code implementing a swerve drive base.</a:t>
+            </a:r>
+          </a:p>
+          <a:p>
+            <a:pPr lvl="1"/>
+            <a:r>
+              <a:rPr lang="en-US" dirty="0"/>
+              <a:t>subsystems folder – all Subsystem code are located here.</a:t>
+            </a:r>
+          </a:p>
+          <a:p>
+            <a:pPr lvl="2"/>
+            <a:r>
+              <a:rPr lang="en-US" dirty="0"/>
+              <a:t>BlinkinLEDs.java – contains code to manage an LED strip controlled by the REV </a:t>
+            </a:r>
+            <a:r>
+              <a:rPr lang="en-US" dirty="0" err="1"/>
+              <a:t>Blinkin</a:t>
+            </a:r>
+            <a:r>
+              <a:rPr lang="en-US" dirty="0"/>
+              <a:t> controller.</a:t>
+            </a:r>
+          </a:p>
+          <a:p>
+            <a:pPr lvl="1"/>
+            <a:r>
+              <a:rPr lang="en-US" dirty="0"/>
+              <a:t>vision folder – contains vision code.</a:t>
+            </a:r>
+          </a:p>
+          <a:p>
+            <a:pPr lvl="1"/>
+            <a:r>
+              <a:rPr lang="en-US" dirty="0"/>
+              <a:t>Robot.java – contains code to create and configure all robot hardware and subsystems.</a:t>
+            </a:r>
+          </a:p>
+          <a:p>
+            <a:pPr lvl="1"/>
+            <a:r>
+              <a:rPr lang="en-US" dirty="0"/>
+              <a:t>RobotParams.java – contains all robot preferences and configuration information.</a:t>
+            </a:r>
+          </a:p>
+          <a:p>
+            <a:pPr lvl="1"/>
+            <a:r>
+              <a:rPr lang="en-US" dirty="0"/>
+              <a:t>FtcAuto.java – contains code for the Autonomous </a:t>
+            </a:r>
+            <a:r>
+              <a:rPr lang="en-US" dirty="0" err="1"/>
+              <a:t>OpMode</a:t>
+            </a:r>
+            <a:r>
+              <a:rPr lang="en-US" dirty="0"/>
+              <a:t>.</a:t>
+            </a:r>
+          </a:p>
+          <a:p>
+            <a:pPr lvl="1"/>
+            <a:r>
+              <a:rPr lang="en-US" dirty="0"/>
+              <a:t>FtcTeleOp.java – contains code for the </a:t>
+            </a:r>
             <a:r>
               <a:rPr lang="en-US" dirty="0" err="1"/>
               <a:t>TeleOp</a:t>
             </a:r>
             <a:r>
               <a:rPr lang="en-US" dirty="0"/>
-              <a:t> mode – the robot is controlled by human players.</a:t>
+              <a:t> </a:t>
+            </a:r>
+            <a:r>
+              <a:rPr lang="en-US" dirty="0" err="1"/>
+              <a:t>OpMode</a:t>
+            </a:r>
+            <a:r>
+              <a:rPr lang="en-US" dirty="0"/>
+              <a:t>.</a:t>
             </a:r>
           </a:p>
           <a:p>
             <a:pPr lvl="1"/>
             <a:r>
               <a:rPr lang="en-US" dirty="0"/>
-              <a:t>Test mode – diagnostic, test or tuning code are generally run in this mode.</a:t>
-            </a:r>
-          </a:p>
-          <a:p>
-            <a:r>
-              <a:rPr lang="en-US" dirty="0"/>
-              <a:t>FRC match consists of two periods:</a:t>
-            </a:r>
-          </a:p>
-          <a:p>
-            <a:pPr lvl="1"/>
-            <a:r>
-              <a:rPr lang="en-US" dirty="0"/>
-              <a:t>15 seconds Autonomous period</a:t>
-            </a:r>
-          </a:p>
-          <a:p>
-            <a:pPr lvl="1"/>
-            <a:r>
-              <a:rPr lang="en-US" dirty="0"/>
-              <a:t>2 minutes 15 seconds </a:t>
+              <a:t>FtcTest.java – contains code for the Test </a:t>
             </a:r>
             <a:r>
               <a:rPr lang="en-US" dirty="0" err="1"/>
-              <a:t>TeleOp</a:t>
-            </a:r>
-            <a:r>
-              <a:rPr lang="en-US" dirty="0"/>
-              <a:t> period</a:t>
-            </a:r>
-          </a:p>
-          <a:p>
-            <a:r>
-              <a:rPr lang="en-US" dirty="0"/>
-              <a:t>During an FRC match, the robot starts in Disabled mode and transitions between different modes.</a:t>
-            </a:r>
-            <a:br>
-              <a:rPr lang="en-US" dirty="0"/>
-            </a:br>
-            <a:r>
-              <a:rPr lang="en-US" dirty="0"/>
-              <a:t>Disabled -&gt; Autonomous -&gt; Disabled -&gt; </a:t>
-            </a:r>
-            <a:r>
-              <a:rPr lang="en-US" dirty="0" err="1"/>
-              <a:t>TeleOp</a:t>
-            </a:r>
-            <a:r>
-              <a:rPr lang="en-US" dirty="0"/>
-              <a:t> -&gt; Disabled</a:t>
+              <a:t>OpMode</a:t>
+            </a:r>
+            <a:r>
+              <a:rPr lang="en-US" dirty="0"/>
+              <a:t>.</a:t>
             </a:r>
           </a:p>
         </p:txBody>
@@ -15974,7 +16031,7 @@
     </p:spTree>
     <p:extLst>
       <p:ext uri="{BB962C8B-B14F-4D97-AF65-F5344CB8AC3E}">
-        <p14:creationId xmlns:p14="http://schemas.microsoft.com/office/powerpoint/2010/main" val="2071670320"/>
+        <p14:creationId xmlns:p14="http://schemas.microsoft.com/office/powerpoint/2010/main" val="2619593829"/>
       </p:ext>
     </p:extLst>
   </p:cSld>
@@ -16006,7 +16063,7 @@
           <p:cNvPr id="2" name="Title 1">
             <a:extLst>
               <a:ext uri="{FF2B5EF4-FFF2-40B4-BE49-F238E27FC236}">
-                <a16:creationId xmlns:a16="http://schemas.microsoft.com/office/drawing/2014/main" id="{ABFABE49-F5F9-4FE1-9250-69FC58779427}"/>
+                <a16:creationId xmlns:a16="http://schemas.microsoft.com/office/drawing/2014/main" id="{48F53726-82EA-44D8-9F6B-80803BFDE6D6}"/>
               </a:ext>
             </a:extLst>
           </p:cNvPr>
@@ -16024,7 +16081,7 @@
           <a:p>
             <a:r>
               <a:rPr lang="en-US" dirty="0"/>
-              <a:t>Robot Code Execution Flowchart</a:t>
+              <a:t>FTC Robot Modes</a:t>
             </a:r>
           </a:p>
         </p:txBody>
@@ -16034,7 +16091,7 @@
           <p:cNvPr id="3" name="Content Placeholder 2">
             <a:extLst>
               <a:ext uri="{FF2B5EF4-FFF2-40B4-BE49-F238E27FC236}">
-                <a16:creationId xmlns:a16="http://schemas.microsoft.com/office/drawing/2014/main" id="{382EC9F4-D8A4-4CAE-AD98-F54BB0C11E8C}"/>
+                <a16:creationId xmlns:a16="http://schemas.microsoft.com/office/drawing/2014/main" id="{28E5E675-6C5D-4E7B-B733-85FC86FD6B73}"/>
               </a:ext>
             </a:extLst>
           </p:cNvPr>
@@ -16047,125 +16104,33 @@
         </p:nvSpPr>
         <p:spPr>
           <a:xfrm>
-            <a:off x="584958" y="2362200"/>
-            <a:ext cx="8051115" cy="4495800"/>
+            <a:off x="461395" y="2257562"/>
+            <a:ext cx="11400638" cy="4519498"/>
           </a:xfrm>
         </p:spPr>
         <p:txBody>
           <a:bodyPr>
-            <a:normAutofit fontScale="62500" lnSpcReduction="20000"/>
+            <a:normAutofit fontScale="85000" lnSpcReduction="20000"/>
           </a:bodyPr>
           <a:lstStyle/>
           <a:p>
             <a:r>
-              <a:rPr lang="en-US" dirty="0" err="1"/>
-              <a:t>initRobot</a:t>
-            </a:r>
-            <a:r>
-              <a:rPr lang="en-US" dirty="0"/>
-              <a:t> in Robot.java is called once when the program is loaded.</a:t>
-            </a:r>
-          </a:p>
-          <a:p>
-            <a:r>
-              <a:rPr lang="en-US" dirty="0"/>
-              <a:t>When starting Autonomous mode, there will be a mode change from Disabled mode to Autonomous mode.</a:t>
-            </a:r>
-          </a:p>
-          <a:p>
-            <a:r>
-              <a:rPr lang="en-US" dirty="0" err="1"/>
-              <a:t>stopMode</a:t>
-            </a:r>
-            <a:r>
-              <a:rPr lang="en-US" dirty="0"/>
-              <a:t> in FrcDisabled.java and </a:t>
-            </a:r>
-            <a:r>
-              <a:rPr lang="en-US" dirty="0" err="1"/>
-              <a:t>robotStopMode</a:t>
-            </a:r>
-            <a:r>
-              <a:rPr lang="en-US" dirty="0"/>
-              <a:t> in Robot.java is called to exit Disabled mode.</a:t>
-            </a:r>
-          </a:p>
-          <a:p>
-            <a:r>
-              <a:rPr lang="en-US" dirty="0" err="1"/>
-              <a:t>robotStartMode</a:t>
-            </a:r>
-            <a:r>
-              <a:rPr lang="en-US" dirty="0"/>
-              <a:t> in Robot.java and </a:t>
-            </a:r>
-            <a:r>
-              <a:rPr lang="en-US" dirty="0" err="1"/>
-              <a:t>startMode</a:t>
-            </a:r>
-            <a:r>
-              <a:rPr lang="en-US" dirty="0"/>
-              <a:t> in FrcAuto.java is called to enter Autonomous mode.</a:t>
-            </a:r>
-          </a:p>
-          <a:p>
-            <a:r>
-              <a:rPr lang="en-US" dirty="0"/>
-              <a:t>While in Autonomous mode, periodic in FrcAuto.java is called periodically in a loop.</a:t>
-            </a:r>
-          </a:p>
-          <a:p>
-            <a:r>
-              <a:rPr lang="en-US" dirty="0"/>
-              <a:t>When Autonomous period ended, there will be a mode change from Autonomous mode to Disabled mode.</a:t>
-            </a:r>
-          </a:p>
-          <a:p>
-            <a:r>
-              <a:rPr lang="en-US" dirty="0" err="1"/>
-              <a:t>stopMode</a:t>
-            </a:r>
-            <a:r>
-              <a:rPr lang="en-US" dirty="0"/>
-              <a:t> in FrcAuto.java and </a:t>
-            </a:r>
-            <a:r>
-              <a:rPr lang="en-US" dirty="0" err="1"/>
-              <a:t>robotStopMode</a:t>
-            </a:r>
-            <a:r>
-              <a:rPr lang="en-US" dirty="0"/>
-              <a:t> in Robot.java is called to exit Autonomous mode.</a:t>
-            </a:r>
-          </a:p>
-          <a:p>
-            <a:r>
-              <a:rPr lang="en-US" dirty="0" err="1"/>
-              <a:t>robotStartMode</a:t>
-            </a:r>
-            <a:r>
-              <a:rPr lang="en-US" dirty="0"/>
-              <a:t> in Robot.java and </a:t>
-            </a:r>
-            <a:r>
-              <a:rPr lang="en-US" dirty="0" err="1"/>
-              <a:t>startMode</a:t>
-            </a:r>
-            <a:r>
-              <a:rPr lang="en-US" dirty="0"/>
-              <a:t> in FrcDisabled.java is called to enter Disabled mode.</a:t>
-            </a:r>
-          </a:p>
-          <a:p>
-            <a:r>
-              <a:rPr lang="en-US" dirty="0"/>
-              <a:t>While in Disabled mode, periodic in FrcDisabled.java is called periodically in a loop.</a:t>
-            </a:r>
-          </a:p>
-          <a:p>
-            <a:r>
-              <a:rPr lang="en-US" dirty="0"/>
-              <a:t>When starting </a:t>
+              <a:rPr lang="en-US" dirty="0"/>
+              <a:t>FTC match consists of two periods:</a:t>
+            </a:r>
+          </a:p>
+          <a:p>
+            <a:pPr lvl="1"/>
+            <a:r>
+              <a:rPr lang="en-US" dirty="0"/>
+              <a:t>30 seconds Autonomous period</a:t>
+            </a:r>
+          </a:p>
+          <a:p>
+            <a:pPr lvl="1"/>
+            <a:r>
+              <a:rPr lang="en-US" dirty="0"/>
+              <a:t>2 minutes </a:t>
             </a:r>
             <a:r>
               <a:rPr lang="en-US" dirty="0" err="1"/>
@@ -16173,51 +16138,133 @@
             </a:r>
             <a:r>
               <a:rPr lang="en-US" dirty="0"/>
-              <a:t> period, there will be a mode change from Disabled mode to </a:t>
-            </a:r>
+              <a:t> period (last 30 seconds is the end game)</a:t>
+            </a:r>
+          </a:p>
+          <a:p>
+            <a:r>
+              <a:rPr lang="en-US" dirty="0"/>
+              <a:t>The robot can be in one of the three modes:</a:t>
+            </a:r>
+          </a:p>
+          <a:p>
+            <a:pPr lvl="1"/>
+            <a:r>
+              <a:rPr lang="en-US" dirty="0"/>
+              <a:t>Autonomous mode – the robot is totally controlled by sensors and code without any human control.</a:t>
+            </a:r>
+          </a:p>
+          <a:p>
+            <a:pPr lvl="1"/>
             <a:r>
               <a:rPr lang="en-US" dirty="0" err="1"/>
               <a:t>TeleOp</a:t>
             </a:r>
             <a:r>
               <a:rPr lang="en-US" dirty="0"/>
-              <a:t> mode.</a:t>
-            </a:r>
-          </a:p>
-          <a:p>
+              <a:t> mode – the robot is controlled by human players.</a:t>
+            </a:r>
+          </a:p>
+          <a:p>
+            <a:pPr lvl="1"/>
+            <a:r>
+              <a:rPr lang="en-US" dirty="0"/>
+              <a:t>Test mode – diagnostic, test or tuning code are generally run in this mode.</a:t>
+            </a:r>
+          </a:p>
+          <a:p>
+            <a:r>
+              <a:rPr lang="en-US" dirty="0"/>
+              <a:t>Each robot mode has its own </a:t>
+            </a:r>
             <a:r>
               <a:rPr lang="en-US" dirty="0" err="1"/>
-              <a:t>stopMode</a:t>
-            </a:r>
-            <a:r>
-              <a:rPr lang="en-US" dirty="0"/>
-              <a:t> in FrcDisabled.java and </a:t>
+              <a:t>OpMode</a:t>
+            </a:r>
+            <a:r>
+              <a:rPr lang="en-US" dirty="0"/>
+              <a:t> program: FtcAuto.java, FtcTeleOp.java and FtcTest.java.</a:t>
+            </a:r>
+          </a:p>
+          <a:p>
+            <a:r>
+              <a:rPr lang="en-US" dirty="0"/>
+              <a:t>During an FTC match, the following sequence of events will happen:</a:t>
+            </a:r>
+          </a:p>
+          <a:p>
+            <a:pPr lvl="1"/>
+            <a:r>
+              <a:rPr lang="en-US" dirty="0"/>
+              <a:t>Driver selects the </a:t>
             </a:r>
             <a:r>
               <a:rPr lang="en-US" dirty="0" err="1"/>
-              <a:t>robotStopMode</a:t>
-            </a:r>
-            <a:r>
-              <a:rPr lang="en-US" dirty="0"/>
-              <a:t> in Robot.java is called to exit Disabled mode.</a:t>
-            </a:r>
-          </a:p>
-          <a:p>
+              <a:t>FtcAuto</a:t>
+            </a:r>
+            <a:r>
+              <a:rPr lang="en-US" dirty="0"/>
+              <a:t> </a:t>
+            </a:r>
             <a:r>
               <a:rPr lang="en-US" dirty="0" err="1"/>
-              <a:t>robotStartMode</a:t>
-            </a:r>
-            <a:r>
-              <a:rPr lang="en-US" dirty="0"/>
-              <a:t> in Robot.java and </a:t>
+              <a:t>OpMode</a:t>
+            </a:r>
+            <a:r>
+              <a:rPr lang="en-US" dirty="0"/>
+              <a:t> on the Driver Station and starts its initialization.</a:t>
+            </a:r>
+          </a:p>
+          <a:p>
+            <a:pPr lvl="1"/>
+            <a:r>
+              <a:rPr lang="en-US" dirty="0"/>
+              <a:t>Driver selects all the autonomous options with the choice menus.</a:t>
+            </a:r>
+          </a:p>
+          <a:p>
+            <a:pPr lvl="1"/>
+            <a:r>
+              <a:rPr lang="en-US" dirty="0"/>
+              <a:t>Driver starts the Autonomous period which lasts 30 seconds and the </a:t>
             </a:r>
             <a:r>
               <a:rPr lang="en-US" dirty="0" err="1"/>
-              <a:t>startMode</a:t>
-            </a:r>
-            <a:r>
-              <a:rPr lang="en-US" dirty="0"/>
-              <a:t> in FrcTeleOp.java is called to enter </a:t>
+              <a:t>OpMode</a:t>
+            </a:r>
+            <a:r>
+              <a:rPr lang="en-US" dirty="0"/>
+              <a:t> will automatically stop.</a:t>
+            </a:r>
+          </a:p>
+          <a:p>
+            <a:pPr lvl="1"/>
+            <a:r>
+              <a:rPr lang="en-US" dirty="0"/>
+              <a:t>Driver selects the </a:t>
+            </a:r>
+            <a:r>
+              <a:rPr lang="en-US" dirty="0" err="1"/>
+              <a:t>FtcTeleOp</a:t>
+            </a:r>
+            <a:r>
+              <a:rPr lang="en-US" dirty="0"/>
+              <a:t> </a:t>
+            </a:r>
+            <a:r>
+              <a:rPr lang="en-US" dirty="0" err="1"/>
+              <a:t>OpMode</a:t>
+            </a:r>
+            <a:r>
+              <a:rPr lang="en-US" dirty="0"/>
+              <a:t> on the Driver Station and starts its initialization.</a:t>
+            </a:r>
+          </a:p>
+          <a:p>
+            <a:pPr lvl="1"/>
+            <a:r>
+              <a:rPr lang="en-US" dirty="0"/>
+              <a:t>When the bell rings, driver starts the </a:t>
             </a:r>
             <a:r>
               <a:rPr lang="en-US" dirty="0" err="1"/>
@@ -16225,27 +16272,14 @@
             </a:r>
             <a:r>
               <a:rPr lang="en-US" dirty="0"/>
-              <a:t> mode.</a:t>
-            </a:r>
-          </a:p>
-          <a:p>
-            <a:r>
-              <a:rPr lang="en-US" dirty="0"/>
-              <a:t>While in </a:t>
-            </a:r>
-            <a:r>
-              <a:rPr lang="en-US" dirty="0" err="1"/>
-              <a:t>TeleOpmode</a:t>
-            </a:r>
-            <a:r>
-              <a:rPr lang="en-US" dirty="0"/>
-              <a:t>, periodic in FrcTeleOp.java is called periodically in a loop.</a:t>
-            </a:r>
-          </a:p>
-          <a:p>
-            <a:r>
-              <a:rPr lang="en-US" dirty="0"/>
-              <a:t>When </a:t>
+              <a:t> period which lasts 2 minutes.</a:t>
+            </a:r>
+          </a:p>
+          <a:p>
+            <a:pPr lvl="1"/>
+            <a:r>
+              <a:rPr lang="en-US" dirty="0"/>
+              <a:t>When the bell rings, driver stops the </a:t>
             </a:r>
             <a:r>
               <a:rPr lang="en-US" dirty="0" err="1"/>
@@ -16253,103 +16287,15 @@
             </a:r>
             <a:r>
               <a:rPr lang="en-US" dirty="0"/>
-              <a:t> period is ended, there will be a mode change from </a:t>
-            </a:r>
-            <a:r>
-              <a:rPr lang="en-US" dirty="0" err="1"/>
-              <a:t>TeleOp</a:t>
-            </a:r>
-            <a:r>
-              <a:rPr lang="en-US" dirty="0"/>
-              <a:t> mode to Disabled mode.</a:t>
-            </a:r>
-          </a:p>
-          <a:p>
-            <a:r>
-              <a:rPr lang="en-US" dirty="0" err="1"/>
-              <a:t>stopMode</a:t>
-            </a:r>
-            <a:r>
-              <a:rPr lang="en-US" dirty="0"/>
-              <a:t> in FrcTeleOp.java and </a:t>
-            </a:r>
-            <a:r>
-              <a:rPr lang="en-US" dirty="0" err="1"/>
-              <a:t>robotStopMode</a:t>
-            </a:r>
-            <a:r>
-              <a:rPr lang="en-US" dirty="0"/>
-              <a:t> in Robot.java is called to exit </a:t>
-            </a:r>
-            <a:r>
-              <a:rPr lang="en-US" dirty="0" err="1"/>
-              <a:t>TeleOp</a:t>
-            </a:r>
-            <a:r>
-              <a:rPr lang="en-US" dirty="0"/>
-              <a:t> mode.</a:t>
-            </a:r>
-          </a:p>
-          <a:p>
-            <a:r>
-              <a:rPr lang="en-US" dirty="0" err="1"/>
-              <a:t>robotStartMode</a:t>
-            </a:r>
-            <a:r>
-              <a:rPr lang="en-US" dirty="0"/>
-              <a:t> in Robot.java and </a:t>
-            </a:r>
-            <a:r>
-              <a:rPr lang="en-US" dirty="0" err="1"/>
-              <a:t>startMode</a:t>
-            </a:r>
-            <a:r>
-              <a:rPr lang="en-US" dirty="0"/>
-              <a:t> in FrcDisabled.java is called to enter Disabled mode.</a:t>
-            </a:r>
-          </a:p>
-          <a:p>
-            <a:r>
-              <a:rPr lang="en-US" dirty="0"/>
-              <a:t>While in Disabled mode, periodic in FrcDisabled.java is called periodically in a loop.</a:t>
+              <a:t> period which concludes a match.</a:t>
             </a:r>
           </a:p>
         </p:txBody>
       </p:sp>
-      <p:pic>
-        <p:nvPicPr>
-          <p:cNvPr id="7" name="Picture 6">
-            <a:extLst>
-              <a:ext uri="{FF2B5EF4-FFF2-40B4-BE49-F238E27FC236}">
-                <a16:creationId xmlns:a16="http://schemas.microsoft.com/office/drawing/2014/main" id="{11C81221-1FB5-8E32-78EA-E3DED411FB1C}"/>
-              </a:ext>
-            </a:extLst>
-          </p:cNvPr>
-          <p:cNvPicPr>
-            <a:picLocks noChangeAspect="1"/>
-          </p:cNvPicPr>
-          <p:nvPr/>
-        </p:nvPicPr>
-        <p:blipFill>
-          <a:blip r:embed="rId3"/>
-          <a:stretch>
-            <a:fillRect/>
-          </a:stretch>
-        </p:blipFill>
-        <p:spPr>
-          <a:xfrm>
-            <a:off x="8636073" y="2296836"/>
-            <a:ext cx="3143250" cy="4495800"/>
-          </a:xfrm>
-          <a:prstGeom prst="rect">
-            <a:avLst/>
-          </a:prstGeom>
-        </p:spPr>
-      </p:pic>
     </p:spTree>
     <p:extLst>
       <p:ext uri="{BB962C8B-B14F-4D97-AF65-F5344CB8AC3E}">
-        <p14:creationId xmlns:p14="http://schemas.microsoft.com/office/powerpoint/2010/main" val="3124002505"/>
+        <p14:creationId xmlns:p14="http://schemas.microsoft.com/office/powerpoint/2010/main" val="2071670320"/>
       </p:ext>
     </p:extLst>
   </p:cSld>
